--- a/cache/ac1b39ff-ee4d-4483-abce-c117e98942f0/55_10.pptx
+++ b/cache/ac1b39ff-ee4d-4483-abce-c117e98942f0/55_10.pptx
@@ -65,7 +65,7 @@
         <p:txBody>
           <a:bodyPr/>
           <a:p>
-            <a:fld id="{1132BD6C-9FBF-4AB8-ADA8-41E269187D20}" type="slidenum">
+            <a:fld id="{631F3144-38A6-4694-BDC5-0D8A516BA15C}" type="slidenum">
               <a:t>&lt;#&gt;</a:t>
             </a:fld>
           </a:p>
@@ -253,7 +253,7 @@
         <p:txBody>
           <a:bodyPr/>
           <a:p>
-            <a:fld id="{0E3F6CE7-3F5D-4F55-A990-C960491298C6}" type="slidenum">
+            <a:fld id="{4DCF57DB-3F9F-4A68-8371-C3FFF911FA70}" type="slidenum">
               <a:t>&lt;#&gt;</a:t>
             </a:fld>
           </a:p>
@@ -509,7 +509,7 @@
         <p:txBody>
           <a:bodyPr/>
           <a:p>
-            <a:fld id="{A005B596-F561-4408-B16C-7EA16B931152}" type="slidenum">
+            <a:fld id="{AEE57069-F442-4690-83F2-D3EC42268C1E}" type="slidenum">
               <a:t>&lt;#&gt;</a:t>
             </a:fld>
           </a:p>
@@ -833,7 +833,7 @@
         <p:txBody>
           <a:bodyPr/>
           <a:p>
-            <a:fld id="{1F0ADA6B-6027-41A1-9F45-4CD40569E7CC}" type="slidenum">
+            <a:fld id="{4EEF2B1B-75C9-4590-A9E4-CA8AA66F451C}" type="slidenum">
               <a:t>&lt;#&gt;</a:t>
             </a:fld>
           </a:p>
@@ -990,7 +990,7 @@
         <p:txBody>
           <a:bodyPr/>
           <a:p>
-            <a:fld id="{06A3FA8E-ACB4-41D3-A5D1-6599AB739321}" type="slidenum">
+            <a:fld id="{5E8C9D9C-67F0-4DE8-9DD5-77819D61FA76}" type="slidenum">
               <a:t>&lt;#&gt;</a:t>
             </a:fld>
           </a:p>
@@ -1144,7 +1144,7 @@
         <p:txBody>
           <a:bodyPr/>
           <a:p>
-            <a:fld id="{F72471E4-5DB1-4A6D-91BE-9786462E31CB}" type="slidenum">
+            <a:fld id="{A6C8F0F0-B9BB-4FDE-B16C-92CC015254A4}" type="slidenum">
               <a:t>&lt;#&gt;</a:t>
             </a:fld>
           </a:p>
@@ -1332,7 +1332,7 @@
         <p:txBody>
           <a:bodyPr/>
           <a:p>
-            <a:fld id="{0C8A79B1-418A-4A3E-AC20-F51E51FE4D0A}" type="slidenum">
+            <a:fld id="{79CAD0E5-4034-461B-B390-94F6C71C9488}" type="slidenum">
               <a:t>&lt;#&gt;</a:t>
             </a:fld>
           </a:p>
@@ -1452,7 +1452,7 @@
         <p:txBody>
           <a:bodyPr/>
           <a:p>
-            <a:fld id="{60A6F3D5-5E48-49B5-A28E-2925D2B5FDB6}" type="slidenum">
+            <a:fld id="{D7EA8030-8A48-4EAF-B789-3CE41963CBEE}" type="slidenum">
               <a:t>&lt;#&gt;</a:t>
             </a:fld>
           </a:p>
@@ -1572,7 +1572,7 @@
         <p:txBody>
           <a:bodyPr/>
           <a:p>
-            <a:fld id="{C0BA9627-FB6A-4FED-8827-7D47DA410AC6}" type="slidenum">
+            <a:fld id="{6B07C7A8-9F70-4FA2-8CBE-5A1113243FD9}" type="slidenum">
               <a:t>&lt;#&gt;</a:t>
             </a:fld>
           </a:p>
@@ -1794,7 +1794,7 @@
         <p:txBody>
           <a:bodyPr/>
           <a:p>
-            <a:fld id="{536D4D8C-C0A1-46A2-B679-9D846602B99F}" type="slidenum">
+            <a:fld id="{1C193BFD-2FDD-4385-9522-05E75AB9349E}" type="slidenum">
               <a:t>&lt;#&gt;</a:t>
             </a:fld>
           </a:p>
@@ -2016,7 +2016,7 @@
         <p:txBody>
           <a:bodyPr/>
           <a:p>
-            <a:fld id="{ABFA481C-3C83-45DE-8431-F6F8D90CD213}" type="slidenum">
+            <a:fld id="{869D7CFE-190D-4D10-B046-5AD33351E1A4}" type="slidenum">
               <a:t>&lt;#&gt;</a:t>
             </a:fld>
           </a:p>
@@ -2238,7 +2238,7 @@
         <p:txBody>
           <a:bodyPr/>
           <a:p>
-            <a:fld id="{CACE4B1F-5307-4AB9-9071-8C6974C4DDB7}" type="slidenum">
+            <a:fld id="{D8326D3A-D4CE-4F22-A064-6FC9DF2C346A}" type="slidenum">
               <a:t>&lt;#&gt;</a:t>
             </a:fld>
           </a:p>
@@ -2399,7 +2399,7 @@
               </a:lnSpc>
               <a:buNone/>
             </a:pPr>
-            <a:fld id="{01A67E88-E6AC-42A8-A601-DF2CA7277EBD}" type="slidenum">
+            <a:fld id="{6E7A2046-04EE-4B5C-B137-362A2AA89814}" type="slidenum">
               <a:rPr b="0" lang="en-US" sz="1200" spc="-1" strike="noStrike">
                 <a:solidFill>
                   <a:srgbClr val="8b8b8b"/>
@@ -2496,25 +2496,7 @@
               <a:rPr b="0" lang="en-HK" sz="4400" spc="-1" strike="noStrike">
                 <a:latin typeface="Arial"/>
               </a:rPr>
-              <a:t>Click to </a:t>
-            </a:r>
-            <a:r>
-              <a:rPr b="0" lang="en-HK" sz="4400" spc="-1" strike="noStrike">
-                <a:latin typeface="Arial"/>
-              </a:rPr>
-              <a:t>edit the </a:t>
-            </a:r>
-            <a:r>
-              <a:rPr b="0" lang="en-HK" sz="4400" spc="-1" strike="noStrike">
-                <a:latin typeface="Arial"/>
-              </a:rPr>
-              <a:t>title text </a:t>
-            </a:r>
-            <a:r>
-              <a:rPr b="0" lang="en-HK" sz="4400" spc="-1" strike="noStrike">
-                <a:latin typeface="Arial"/>
-              </a:rPr>
-              <a:t>format</a:t>
+              <a:t>Click to edit the title text format</a:t>
             </a:r>
             <a:endParaRPr b="0" lang="en-HK" sz="4400" spc="-1" strike="noStrike">
               <a:latin typeface="Arial"/>
@@ -3034,16 +3016,7 @@
                 </a:solidFill>
                 <a:latin typeface="Calibri"/>
               </a:rPr>
-              <a:t>Movie </a:t>
-            </a:r>
-            <a:r>
-              <a:rPr b="0" lang="en-US" sz="4400" spc="-1" strike="noStrike">
-                <a:solidFill>
-                  <a:srgbClr val="000000"/>
-                </a:solidFill>
-                <a:latin typeface="Calibri"/>
-              </a:rPr>
-              <a:t>List</a:t>
+              <a:t>Movie List</a:t>
             </a:r>
             <a:endParaRPr b="0" lang="en-HK" sz="4400" spc="-1" strike="noStrike">
               <a:latin typeface="Arial"/>
@@ -3114,7 +3087,7 @@
           <p:nvPr/>
         </p:nvGraphicFramePr>
         <p:xfrm>
-          <a:off x="628560" y="1825560"/>
+          <a:off x="628920" y="1825920"/>
           <a:ext cx="7886160" cy="1109160"/>
         </p:xfrm>
         <a:graphic>
@@ -3149,7 +3122,7 @@
                         <a:t>1</a:t>
                       </a:r>
                       <a:endParaRPr b="0" lang="en-HK" sz="1800" spc="-1" strike="noStrike">
-                        <a:latin typeface="Arial"/>
+                        <a:latin typeface="Times New Roman"/>
                       </a:endParaRPr>
                     </a:p>
                   </a:txBody>
@@ -3201,7 +3174,7 @@
                         <a:t>2</a:t>
                       </a:r>
                       <a:endParaRPr b="0" lang="en-HK" sz="1800" spc="-1" strike="noStrike">
-                        <a:latin typeface="Arial"/>
+                        <a:latin typeface="Times New Roman"/>
                       </a:endParaRPr>
                     </a:p>
                   </a:txBody>
@@ -3253,7 +3226,7 @@
                         <a:t>3</a:t>
                       </a:r>
                       <a:endParaRPr b="0" lang="en-HK" sz="1800" spc="-1" strike="noStrike">
-                        <a:latin typeface="Arial"/>
+                        <a:latin typeface="Times New Roman"/>
                       </a:endParaRPr>
                     </a:p>
                   </a:txBody>
@@ -3284,7 +3257,7 @@
                   </a:tcPr>
                 </a:tc>
               </a:tr>
-              <a:tr h="369720">
+              <a:tr h="3911760">
                 <a:tc>
                   <a:txBody>
                     <a:bodyPr anchor="t">
@@ -3307,7 +3280,7 @@
                         <a:t>4</a:t>
                       </a:r>
                       <a:endParaRPr b="0" lang="en-HK" sz="1800" spc="-1" strike="noStrike">
-                        <a:latin typeface="Arial"/>
+                        <a:latin typeface="Times New Roman"/>
                       </a:endParaRPr>
                     </a:p>
                   </a:txBody>
@@ -3359,7 +3332,7 @@
                         <a:t>5</a:t>
                       </a:r>
                       <a:endParaRPr b="0" lang="en-HK" sz="1800" spc="-1" strike="noStrike">
-                        <a:latin typeface="Arial"/>
+                        <a:latin typeface="Times New Roman"/>
                       </a:endParaRPr>
                     </a:p>
                   </a:txBody>
@@ -3411,7 +3384,7 @@
                         <a:t>6</a:t>
                       </a:r>
                       <a:endParaRPr b="0" lang="en-HK" sz="1800" spc="-1" strike="noStrike">
-                        <a:latin typeface="Arial"/>
+                        <a:latin typeface="Times New Roman"/>
                       </a:endParaRPr>
                     </a:p>
                   </a:txBody>
@@ -3465,7 +3438,7 @@
                         <a:t>7</a:t>
                       </a:r>
                       <a:endParaRPr b="0" lang="en-HK" sz="1800" spc="-1" strike="noStrike">
-                        <a:latin typeface="Arial"/>
+                        <a:latin typeface="Times New Roman"/>
                       </a:endParaRPr>
                     </a:p>
                   </a:txBody>
@@ -3517,7 +3490,7 @@
                         <a:t>8</a:t>
                       </a:r>
                       <a:endParaRPr b="0" lang="en-HK" sz="1800" spc="-1" strike="noStrike">
-                        <a:latin typeface="Arial"/>
+                        <a:latin typeface="Times New Roman"/>
                       </a:endParaRPr>
                     </a:p>
                   </a:txBody>
@@ -3569,7 +3542,7 @@
                         <a:t>9</a:t>
                       </a:r>
                       <a:endParaRPr b="0" lang="en-HK" sz="1800" spc="-1" strike="noStrike">
-                        <a:latin typeface="Arial"/>
+                        <a:latin typeface="Times New Roman"/>
                       </a:endParaRPr>
                     </a:p>
                   </a:txBody>

--- a/cache/ac1b39ff-ee4d-4483-abce-c117e98942f0/55_10.pptx
+++ b/cache/ac1b39ff-ee4d-4483-abce-c117e98942f0/55_10.pptx
@@ -65,7 +65,7 @@
         <p:txBody>
           <a:bodyPr/>
           <a:p>
-            <a:fld id="{631F3144-38A6-4694-BDC5-0D8A516BA15C}" type="slidenum">
+            <a:fld id="{ADCCC2AC-B0A2-44D5-A86A-6E678F8FC4B1}" type="slidenum">
               <a:t>&lt;#&gt;</a:t>
             </a:fld>
           </a:p>
@@ -253,7 +253,7 @@
         <p:txBody>
           <a:bodyPr/>
           <a:p>
-            <a:fld id="{4DCF57DB-3F9F-4A68-8371-C3FFF911FA70}" type="slidenum">
+            <a:fld id="{87B3DC43-A06B-44D0-BAC4-60A0559000F1}" type="slidenum">
               <a:t>&lt;#&gt;</a:t>
             </a:fld>
           </a:p>
@@ -509,7 +509,7 @@
         <p:txBody>
           <a:bodyPr/>
           <a:p>
-            <a:fld id="{AEE57069-F442-4690-83F2-D3EC42268C1E}" type="slidenum">
+            <a:fld id="{8060E072-AD5F-42DB-9596-456EDEEADECD}" type="slidenum">
               <a:t>&lt;#&gt;</a:t>
             </a:fld>
           </a:p>
@@ -833,7 +833,7 @@
         <p:txBody>
           <a:bodyPr/>
           <a:p>
-            <a:fld id="{4EEF2B1B-75C9-4590-A9E4-CA8AA66F451C}" type="slidenum">
+            <a:fld id="{5AA213FA-1067-4D3D-9EEE-18E1812E2706}" type="slidenum">
               <a:t>&lt;#&gt;</a:t>
             </a:fld>
           </a:p>
@@ -990,7 +990,7 @@
         <p:txBody>
           <a:bodyPr/>
           <a:p>
-            <a:fld id="{5E8C9D9C-67F0-4DE8-9DD5-77819D61FA76}" type="slidenum">
+            <a:fld id="{FB22E25C-368B-4B93-992C-FBD05E151125}" type="slidenum">
               <a:t>&lt;#&gt;</a:t>
             </a:fld>
           </a:p>
@@ -1144,7 +1144,7 @@
         <p:txBody>
           <a:bodyPr/>
           <a:p>
-            <a:fld id="{A6C8F0F0-B9BB-4FDE-B16C-92CC015254A4}" type="slidenum">
+            <a:fld id="{89C3E35D-C154-4C80-A7C0-FCFF1B5DE76E}" type="slidenum">
               <a:t>&lt;#&gt;</a:t>
             </a:fld>
           </a:p>
@@ -1332,7 +1332,7 @@
         <p:txBody>
           <a:bodyPr/>
           <a:p>
-            <a:fld id="{79CAD0E5-4034-461B-B390-94F6C71C9488}" type="slidenum">
+            <a:fld id="{6ACA317A-DE61-4933-A579-F5E8BE9B62C4}" type="slidenum">
               <a:t>&lt;#&gt;</a:t>
             </a:fld>
           </a:p>
@@ -1452,7 +1452,7 @@
         <p:txBody>
           <a:bodyPr/>
           <a:p>
-            <a:fld id="{D7EA8030-8A48-4EAF-B789-3CE41963CBEE}" type="slidenum">
+            <a:fld id="{11D8CF06-3B2A-4703-9516-EEDBA2C9275E}" type="slidenum">
               <a:t>&lt;#&gt;</a:t>
             </a:fld>
           </a:p>
@@ -1572,7 +1572,7 @@
         <p:txBody>
           <a:bodyPr/>
           <a:p>
-            <a:fld id="{6B07C7A8-9F70-4FA2-8CBE-5A1113243FD9}" type="slidenum">
+            <a:fld id="{1EFA72F6-934D-4691-95ED-2771B347649F}" type="slidenum">
               <a:t>&lt;#&gt;</a:t>
             </a:fld>
           </a:p>
@@ -1794,7 +1794,7 @@
         <p:txBody>
           <a:bodyPr/>
           <a:p>
-            <a:fld id="{1C193BFD-2FDD-4385-9522-05E75AB9349E}" type="slidenum">
+            <a:fld id="{5860DEAF-AFA3-49FE-B2ED-AC8249EB9797}" type="slidenum">
               <a:t>&lt;#&gt;</a:t>
             </a:fld>
           </a:p>
@@ -2016,7 +2016,7 @@
         <p:txBody>
           <a:bodyPr/>
           <a:p>
-            <a:fld id="{869D7CFE-190D-4D10-B046-5AD33351E1A4}" type="slidenum">
+            <a:fld id="{F0418205-8D0A-4D29-A528-998EE071B4CD}" type="slidenum">
               <a:t>&lt;#&gt;</a:t>
             </a:fld>
           </a:p>
@@ -2238,7 +2238,7 @@
         <p:txBody>
           <a:bodyPr/>
           <a:p>
-            <a:fld id="{D8326D3A-D4CE-4F22-A064-6FC9DF2C346A}" type="slidenum">
+            <a:fld id="{1EA34968-CDCB-4C83-82EE-C7B01C89AD3A}" type="slidenum">
               <a:t>&lt;#&gt;</a:t>
             </a:fld>
           </a:p>
@@ -2399,7 +2399,7 @@
               </a:lnSpc>
               <a:buNone/>
             </a:pPr>
-            <a:fld id="{6E7A2046-04EE-4B5C-B137-362A2AA89814}" type="slidenum">
+            <a:fld id="{D58BBDE1-9EB4-4731-993F-4BA9A8050A12}" type="slidenum">
               <a:rPr b="0" lang="en-US" sz="1200" spc="-1" strike="noStrike">
                 <a:solidFill>
                   <a:srgbClr val="8b8b8b"/>
@@ -3097,7 +3097,7 @@
               <a:tblGrid>
                 <a:gridCol w="2628720"/>
                 <a:gridCol w="2628720"/>
-                <a:gridCol w="2629080"/>
+                <a:gridCol w="2872800"/>
               </a:tblGrid>
               <a:tr h="369720">
                 <a:tc>
@@ -3257,7 +3257,7 @@
                   </a:tcPr>
                 </a:tc>
               </a:tr>
-              <a:tr h="3911760">
+              <a:tr h="369720">
                 <a:tc>
                   <a:txBody>
                     <a:bodyPr anchor="t">
